--- a/Apresentações PPT/HSOsprint2.pptx
+++ b/Apresentações PPT/HSOsprint2.pptx
@@ -7844,7 +7844,7 @@
         </p:nvSpPr>
         <p:spPr>
           <a:xfrm>
-            <a:off x="1468902" y="3030735"/>
+            <a:off x="1468902" y="3026181"/>
             <a:ext cx="2729132" cy="584775"/>
           </a:xfrm>
           <a:prstGeom prst="rect">
